--- a/web攻击与安全.pptx
+++ b/web攻击与安全.pptx
@@ -211,7 +211,7 @@
           <a:p>
             <a:fld id="{D2A48B96-639E-45A3-A0BA-2464DFDB1FAA}" type="datetimeFigureOut">
               <a:rPr lang="zh-CN" altLang="en-US" smtClean="0"/>
-              <a:t>2016/8/5</a:t>
+              <a:t>2016/10/27</a:t>
             </a:fld>
             <a:endParaRPr lang="zh-CN" altLang="en-US"/>
           </a:p>
@@ -930,7 +930,7 @@
           <a:p>
             <a:fld id="{D997B5FA-0921-464F-AAE1-844C04324D75}" type="datetimeFigureOut">
               <a:rPr lang="zh-CN" altLang="en-US" smtClean="0"/>
-              <a:t>2016/8/5</a:t>
+              <a:t>2016/10/27</a:t>
             </a:fld>
             <a:endParaRPr lang="zh-CN" altLang="en-US"/>
           </a:p>
@@ -1317,7 +1317,7 @@
                 <a:ea typeface="微软雅黑" pitchFamily="34" charset="-122"/>
                 <a:cs typeface="+mn-cs"/>
               </a:rPr>
-              <a:t>2016/8/5</a:t>
+              <a:t>2016/10/27</a:t>
             </a:fld>
             <a:endParaRPr kumimoji="0" lang="zh-CN" altLang="en-US" sz="900" b="0" i="0" u="none" strike="noStrike" kern="1200" cap="none" spc="0" normalizeH="0" baseline="0" noProof="0">
               <a:ln>
@@ -1521,7 +1521,7 @@
                 <a:ea typeface="微软雅黑" pitchFamily="34" charset="-122"/>
                 <a:cs typeface="+mn-cs"/>
               </a:rPr>
-              <a:t>2016/8/5</a:t>
+              <a:t>2016/10/27</a:t>
             </a:fld>
             <a:endParaRPr kumimoji="0" lang="zh-CN" altLang="en-US" sz="900" b="0" i="0" u="none" strike="noStrike" kern="1200" cap="none" spc="0" normalizeH="0" baseline="0" noProof="0">
               <a:ln>
@@ -1905,7 +1905,7 @@
                 <a:ea typeface="微软雅黑" pitchFamily="34" charset="-122"/>
                 <a:cs typeface="+mn-cs"/>
               </a:rPr>
-              <a:t>2016/8/5</a:t>
+              <a:t>2016/10/27</a:t>
             </a:fld>
             <a:endParaRPr kumimoji="0" lang="zh-CN" altLang="en-US" sz="900" b="0" i="0" u="none" strike="noStrike" kern="1200" cap="none" spc="0" normalizeH="0" baseline="0" noProof="0">
               <a:ln>
@@ -2297,7 +2297,7 @@
                 <a:ea typeface="微软雅黑" pitchFamily="34" charset="-122"/>
                 <a:cs typeface="+mn-cs"/>
               </a:rPr>
-              <a:t>2016/8/5</a:t>
+              <a:t>2016/10/27</a:t>
             </a:fld>
             <a:endParaRPr kumimoji="0" lang="zh-CN" altLang="en-US" sz="900" b="0" i="0" u="none" strike="noStrike" kern="1200" cap="none" spc="0" normalizeH="0" baseline="0" noProof="0">
               <a:ln>
@@ -2574,7 +2574,7 @@
                 <a:ea typeface="微软雅黑" pitchFamily="34" charset="-122"/>
                 <a:cs typeface="+mn-cs"/>
               </a:rPr>
-              <a:t>2016/8/5</a:t>
+              <a:t>2016/10/27</a:t>
             </a:fld>
             <a:endParaRPr kumimoji="0" lang="zh-CN" altLang="en-US" sz="900" b="0" i="0" u="none" strike="noStrike" kern="1200" cap="none" spc="0" normalizeH="0" baseline="0" noProof="0">
               <a:ln>
@@ -2861,7 +2861,7 @@
                 <a:ea typeface="微软雅黑" pitchFamily="34" charset="-122"/>
                 <a:cs typeface="+mn-cs"/>
               </a:rPr>
-              <a:t>2016/8/5</a:t>
+              <a:t>2016/10/27</a:t>
             </a:fld>
             <a:endParaRPr kumimoji="0" lang="zh-CN" altLang="en-US" sz="900" b="0" i="0" u="none" strike="noStrike" kern="1200" cap="none" spc="0" normalizeH="0" baseline="0" noProof="0">
               <a:ln>
@@ -3130,7 +3130,7 @@
           <a:p>
             <a:fld id="{D997B5FA-0921-464F-AAE1-844C04324D75}" type="datetimeFigureOut">
               <a:rPr lang="zh-CN" altLang="en-US" smtClean="0"/>
-              <a:t>2016/8/5</a:t>
+              <a:t>2016/10/27</a:t>
             </a:fld>
             <a:endParaRPr lang="zh-CN" altLang="en-US"/>
           </a:p>
@@ -3453,7 +3453,7 @@
           <a:p>
             <a:fld id="{D997B5FA-0921-464F-AAE1-844C04324D75}" type="datetimeFigureOut">
               <a:rPr lang="zh-CN" altLang="en-US" smtClean="0"/>
-              <a:t>2016/8/5</a:t>
+              <a:t>2016/10/27</a:t>
             </a:fld>
             <a:endParaRPr lang="zh-CN" altLang="en-US"/>
           </a:p>
@@ -3746,7 +3746,7 @@
                 <a:ea typeface="微软雅黑" pitchFamily="34" charset="-122"/>
                 <a:cs typeface="+mn-cs"/>
               </a:rPr>
-              <a:t>2016/8/5</a:t>
+              <a:t>2016/10/27</a:t>
             </a:fld>
             <a:endParaRPr kumimoji="0" lang="zh-CN" altLang="en-US" sz="900" b="0" i="0" u="none" strike="noStrike" kern="1200" cap="none" spc="0" normalizeH="0" baseline="0" noProof="0">
               <a:ln>
@@ -4023,7 +4023,7 @@
                 <a:ea typeface="微软雅黑" pitchFamily="34" charset="-122"/>
                 <a:cs typeface="+mn-cs"/>
               </a:rPr>
-              <a:t>2016/8/5</a:t>
+              <a:t>2016/10/27</a:t>
             </a:fld>
             <a:endParaRPr kumimoji="0" lang="zh-CN" altLang="en-US" sz="900" b="0" i="0" u="none" strike="noStrike" kern="1200" cap="none" spc="0" normalizeH="0" baseline="0" noProof="0">
               <a:ln>
@@ -4377,7 +4377,7 @@
                 <a:ea typeface="微软雅黑" pitchFamily="34" charset="-122"/>
                 <a:cs typeface="+mn-cs"/>
               </a:rPr>
-              <a:t>2016/8/5</a:t>
+              <a:t>2016/10/27</a:t>
             </a:fld>
             <a:endParaRPr kumimoji="0" lang="zh-CN" altLang="en-US" sz="900" b="0" i="0" u="none" strike="noStrike" kern="1200" cap="none" spc="0" normalizeH="0" baseline="0" noProof="0">
               <a:ln>
@@ -4715,7 +4715,7 @@
                 <a:ea typeface="微软雅黑" pitchFamily="34" charset="-122"/>
                 <a:cs typeface="+mn-cs"/>
               </a:rPr>
-              <a:t>2016/8/5</a:t>
+              <a:t>2016/10/27</a:t>
             </a:fld>
             <a:endParaRPr kumimoji="0" lang="zh-CN" altLang="en-US" sz="900" b="0" i="0" u="none" strike="noStrike" kern="1200" cap="none" spc="0" normalizeH="0" baseline="0" noProof="0">
               <a:ln>
@@ -5188,7 +5188,7 @@
                 <a:ea typeface="微软雅黑" pitchFamily="34" charset="-122"/>
                 <a:cs typeface="+mn-cs"/>
               </a:rPr>
-              <a:t>2016/8/5</a:t>
+              <a:t>2016/10/27</a:t>
             </a:fld>
             <a:endParaRPr kumimoji="0" lang="zh-CN" altLang="en-US" sz="900" b="0" i="0" u="none" strike="noStrike" kern="1200" cap="none" spc="0" normalizeH="0" baseline="0" noProof="0">
               <a:ln>
@@ -5566,7 +5566,7 @@
           <a:p>
             <a:fld id="{D997B5FA-0921-464F-AAE1-844C04324D75}" type="datetimeFigureOut">
               <a:rPr lang="zh-CN" altLang="en-US" smtClean="0"/>
-              <a:t>2016/8/5</a:t>
+              <a:t>2016/10/27</a:t>
             </a:fld>
             <a:endParaRPr lang="zh-CN" altLang="en-US"/>
           </a:p>
@@ -6391,7 +6391,7 @@
                 <a:ea typeface="微软雅黑" pitchFamily="34" charset="-122"/>
                 <a:cs typeface="+mn-cs"/>
               </a:rPr>
-              <a:t>2016/8/5</a:t>
+              <a:t>2016/10/27</a:t>
             </a:fld>
             <a:endParaRPr kumimoji="0" lang="zh-CN" altLang="en-US" sz="900" b="0" i="0" u="none" strike="noStrike" kern="1200" cap="none" spc="0" normalizeH="0" baseline="0" noProof="0">
               <a:ln>
@@ -7591,40 +7591,46 @@
           <a:lstStyle/>
           <a:p>
             <a:r>
-              <a:rPr lang="zh-CN" altLang="en-US"/>
+              <a:rPr lang="zh-CN" altLang="en-US" dirty="0"/>
               <a:t>Insecure Pseudo randomness</a:t>
             </a:r>
           </a:p>
           <a:p>
             <a:pPr lvl="1"/>
             <a:r>
-              <a:rPr lang="zh-CN" altLang="en-US"/>
+              <a:rPr lang="zh-CN" altLang="en-US" dirty="0"/>
               <a:t>伪随机数算法不安全</a:t>
             </a:r>
             <a:r>
-              <a:rPr lang="en-US" altLang="zh-CN"/>
+              <a:rPr lang="en-US" altLang="zh-CN" dirty="0"/>
               <a:t>, 如果知道用于计算任何一个值的那个整数，那么就可以算出从这个生成器返回的下一个值。该漏洞可能导致依赖随机数的应用（例如依靠随机数生成的图法签名）可能会被人破解。</a:t>
             </a:r>
             <a:r>
-              <a:rPr lang="zh-CN" altLang="en-US">
+              <a:rPr lang="zh-CN" altLang="en-US" dirty="0">
                 <a:ea typeface="宋体" charset="0"/>
               </a:rPr>
               <a:t>应使用</a:t>
             </a:r>
             <a:r>
-              <a:rPr lang="en-US" altLang="zh-CN">
+              <a:rPr lang="en-US" altLang="zh-CN" dirty="0" err="1">
                 <a:ea typeface="宋体" charset="0"/>
               </a:rPr>
-              <a:t>secureRandom()</a:t>
-            </a:r>
-            <a:r>
-              <a:rPr lang="zh-CN" altLang="en-US">
+              <a:t>secureRandom</a:t>
+            </a:r>
+            <a:r>
+              <a:rPr lang="en-US" altLang="zh-CN" dirty="0">
                 <a:ea typeface="宋体" charset="0"/>
               </a:rPr>
+              <a:t>()</a:t>
+            </a:r>
+            <a:r>
+              <a:rPr lang="zh-CN" altLang="en-US" dirty="0">
+                <a:ea typeface="宋体" charset="0"/>
+              </a:rPr>
               <a:t>而不是</a:t>
             </a:r>
             <a:r>
-              <a:rPr lang="en-US" altLang="zh-CN">
+              <a:rPr lang="en-US" altLang="zh-CN" dirty="0">
                 <a:ea typeface="宋体" charset="0"/>
               </a:rPr>
               <a:t>Random()</a:t>
@@ -8705,7 +8711,7 @@
           <a:bodyPr/>
           <a:lstStyle/>
           <a:p>
-            <a:endParaRPr lang="zh-CN" altLang="en-US"/>
+            <a:endParaRPr lang="zh-CN" altLang="en-US" dirty="0"/>
           </a:p>
         </p:txBody>
       </p:sp>
@@ -9124,8 +9130,8 @@
         </p:nvSpPr>
         <p:spPr>
           <a:xfrm>
-            <a:off x="5186680" y="4294505"/>
-            <a:ext cx="2095500" cy="369570"/>
+            <a:off x="3529965" y="4294505"/>
+            <a:ext cx="5430520" cy="369570"/>
           </a:xfrm>
           <a:prstGeom prst="rect">
             <a:avLst/>
@@ -9255,8 +9261,25 @@
                 <a:latin typeface="Bodoni MT Black" panose="02070A03080606020203" pitchFamily="18" charset="0"/>
                 <a:ea typeface="微软雅黑" pitchFamily="34" charset="-122"/>
               </a:rPr>
-              <a:t>朱赋</a:t>
-            </a:r>
+              <a:t>朱赋 </a:t>
+            </a:r>
+            <a:r>
+              <a:rPr lang="en-US" altLang="zh-CN" sz="1600" i="1" dirty="0">
+                <a:solidFill>
+                  <a:srgbClr val="E86E6D"/>
+                </a:solidFill>
+                <a:latin typeface="Bodoni MT Black" panose="02070A03080606020203" pitchFamily="18" charset="0"/>
+                <a:ea typeface="微软雅黑" pitchFamily="34" charset="-122"/>
+              </a:rPr>
+              <a:t>https://github.com/ptzhuf/websecuredemo</a:t>
+            </a:r>
+            <a:endParaRPr lang="zh-CN" altLang="en-US" sz="1600" i="1" dirty="0">
+              <a:solidFill>
+                <a:srgbClr val="E86E6D"/>
+              </a:solidFill>
+              <a:latin typeface="Bodoni MT Black" panose="02070A03080606020203" pitchFamily="18" charset="0"/>
+              <a:ea typeface="微软雅黑" pitchFamily="34" charset="-122"/>
+            </a:endParaRPr>
           </a:p>
         </p:txBody>
       </p:sp>

--- a/web攻击与安全.pptx
+++ b/web攻击与安全.pptx
@@ -6,23 +6,24 @@
     <p:sldMasterId id="2147483653" r:id="rId2"/>
   </p:sldMasterIdLst>
   <p:notesMasterIdLst>
-    <p:notesMasterId r:id="rId17"/>
+    <p:notesMasterId r:id="rId18"/>
   </p:notesMasterIdLst>
   <p:sldIdLst>
     <p:sldId id="256" r:id="rId3"/>
     <p:sldId id="279" r:id="rId4"/>
-    <p:sldId id="257" r:id="rId5"/>
-    <p:sldId id="267" r:id="rId6"/>
-    <p:sldId id="266" r:id="rId7"/>
-    <p:sldId id="259" r:id="rId8"/>
-    <p:sldId id="260" r:id="rId9"/>
-    <p:sldId id="261" r:id="rId10"/>
-    <p:sldId id="262" r:id="rId11"/>
-    <p:sldId id="263" r:id="rId12"/>
-    <p:sldId id="264" r:id="rId13"/>
-    <p:sldId id="265" r:id="rId14"/>
-    <p:sldId id="276" r:id="rId15"/>
-    <p:sldId id="278" r:id="rId16"/>
+    <p:sldId id="280" r:id="rId5"/>
+    <p:sldId id="257" r:id="rId6"/>
+    <p:sldId id="267" r:id="rId7"/>
+    <p:sldId id="266" r:id="rId8"/>
+    <p:sldId id="259" r:id="rId9"/>
+    <p:sldId id="260" r:id="rId10"/>
+    <p:sldId id="261" r:id="rId11"/>
+    <p:sldId id="262" r:id="rId12"/>
+    <p:sldId id="263" r:id="rId13"/>
+    <p:sldId id="264" r:id="rId14"/>
+    <p:sldId id="265" r:id="rId15"/>
+    <p:sldId id="276" r:id="rId16"/>
+    <p:sldId id="278" r:id="rId17"/>
   </p:sldIdLst>
   <p:sldSz cx="12192000" cy="6858000"/>
   <p:notesSz cx="6858000" cy="9144000"/>
@@ -211,7 +212,7 @@
           <a:p>
             <a:fld id="{D2A48B96-639E-45A3-A0BA-2464DFDB1FAA}" type="datetimeFigureOut">
               <a:rPr lang="zh-CN" altLang="en-US" smtClean="0"/>
-              <a:t>2016/10/27</a:t>
+              <a:t>2016/10/28</a:t>
             </a:fld>
             <a:endParaRPr lang="zh-CN" altLang="en-US"/>
           </a:p>
@@ -592,7 +593,7 @@
                 <a:latin typeface="Calibri" pitchFamily="34" charset="0"/>
                 <a:ea typeface="宋体" pitchFamily="2" charset="-122"/>
               </a:rPr>
-              <a:t>14</a:t>
+              <a:t>15</a:t>
             </a:fld>
             <a:endParaRPr lang="zh-CN" altLang="en-US" sz="1200" dirty="0">
               <a:latin typeface="Calibri" pitchFamily="34" charset="0"/>
@@ -930,7 +931,7 @@
           <a:p>
             <a:fld id="{D997B5FA-0921-464F-AAE1-844C04324D75}" type="datetimeFigureOut">
               <a:rPr lang="zh-CN" altLang="en-US" smtClean="0"/>
-              <a:t>2016/10/27</a:t>
+              <a:t>2016/10/28</a:t>
             </a:fld>
             <a:endParaRPr lang="zh-CN" altLang="en-US"/>
           </a:p>
@@ -1317,7 +1318,7 @@
                 <a:ea typeface="微软雅黑" pitchFamily="34" charset="-122"/>
                 <a:cs typeface="+mn-cs"/>
               </a:rPr>
-              <a:t>2016/10/27</a:t>
+              <a:t>2016/10/28</a:t>
             </a:fld>
             <a:endParaRPr kumimoji="0" lang="zh-CN" altLang="en-US" sz="900" b="0" i="0" u="none" strike="noStrike" kern="1200" cap="none" spc="0" normalizeH="0" baseline="0" noProof="0">
               <a:ln>
@@ -1521,7 +1522,7 @@
                 <a:ea typeface="微软雅黑" pitchFamily="34" charset="-122"/>
                 <a:cs typeface="+mn-cs"/>
               </a:rPr>
-              <a:t>2016/10/27</a:t>
+              <a:t>2016/10/28</a:t>
             </a:fld>
             <a:endParaRPr kumimoji="0" lang="zh-CN" altLang="en-US" sz="900" b="0" i="0" u="none" strike="noStrike" kern="1200" cap="none" spc="0" normalizeH="0" baseline="0" noProof="0">
               <a:ln>
@@ -1905,7 +1906,7 @@
                 <a:ea typeface="微软雅黑" pitchFamily="34" charset="-122"/>
                 <a:cs typeface="+mn-cs"/>
               </a:rPr>
-              <a:t>2016/10/27</a:t>
+              <a:t>2016/10/28</a:t>
             </a:fld>
             <a:endParaRPr kumimoji="0" lang="zh-CN" altLang="en-US" sz="900" b="0" i="0" u="none" strike="noStrike" kern="1200" cap="none" spc="0" normalizeH="0" baseline="0" noProof="0">
               <a:ln>
@@ -2297,7 +2298,7 @@
                 <a:ea typeface="微软雅黑" pitchFamily="34" charset="-122"/>
                 <a:cs typeface="+mn-cs"/>
               </a:rPr>
-              <a:t>2016/10/27</a:t>
+              <a:t>2016/10/28</a:t>
             </a:fld>
             <a:endParaRPr kumimoji="0" lang="zh-CN" altLang="en-US" sz="900" b="0" i="0" u="none" strike="noStrike" kern="1200" cap="none" spc="0" normalizeH="0" baseline="0" noProof="0">
               <a:ln>
@@ -2574,7 +2575,7 @@
                 <a:ea typeface="微软雅黑" pitchFamily="34" charset="-122"/>
                 <a:cs typeface="+mn-cs"/>
               </a:rPr>
-              <a:t>2016/10/27</a:t>
+              <a:t>2016/10/28</a:t>
             </a:fld>
             <a:endParaRPr kumimoji="0" lang="zh-CN" altLang="en-US" sz="900" b="0" i="0" u="none" strike="noStrike" kern="1200" cap="none" spc="0" normalizeH="0" baseline="0" noProof="0">
               <a:ln>
@@ -2861,7 +2862,7 @@
                 <a:ea typeface="微软雅黑" pitchFamily="34" charset="-122"/>
                 <a:cs typeface="+mn-cs"/>
               </a:rPr>
-              <a:t>2016/10/27</a:t>
+              <a:t>2016/10/28</a:t>
             </a:fld>
             <a:endParaRPr kumimoji="0" lang="zh-CN" altLang="en-US" sz="900" b="0" i="0" u="none" strike="noStrike" kern="1200" cap="none" spc="0" normalizeH="0" baseline="0" noProof="0">
               <a:ln>
@@ -3130,7 +3131,7 @@
           <a:p>
             <a:fld id="{D997B5FA-0921-464F-AAE1-844C04324D75}" type="datetimeFigureOut">
               <a:rPr lang="zh-CN" altLang="en-US" smtClean="0"/>
-              <a:t>2016/10/27</a:t>
+              <a:t>2016/10/28</a:t>
             </a:fld>
             <a:endParaRPr lang="zh-CN" altLang="en-US"/>
           </a:p>
@@ -3453,7 +3454,7 @@
           <a:p>
             <a:fld id="{D997B5FA-0921-464F-AAE1-844C04324D75}" type="datetimeFigureOut">
               <a:rPr lang="zh-CN" altLang="en-US" smtClean="0"/>
-              <a:t>2016/10/27</a:t>
+              <a:t>2016/10/28</a:t>
             </a:fld>
             <a:endParaRPr lang="zh-CN" altLang="en-US"/>
           </a:p>
@@ -3746,7 +3747,7 @@
                 <a:ea typeface="微软雅黑" pitchFamily="34" charset="-122"/>
                 <a:cs typeface="+mn-cs"/>
               </a:rPr>
-              <a:t>2016/10/27</a:t>
+              <a:t>2016/10/28</a:t>
             </a:fld>
             <a:endParaRPr kumimoji="0" lang="zh-CN" altLang="en-US" sz="900" b="0" i="0" u="none" strike="noStrike" kern="1200" cap="none" spc="0" normalizeH="0" baseline="0" noProof="0">
               <a:ln>
@@ -4023,7 +4024,7 @@
                 <a:ea typeface="微软雅黑" pitchFamily="34" charset="-122"/>
                 <a:cs typeface="+mn-cs"/>
               </a:rPr>
-              <a:t>2016/10/27</a:t>
+              <a:t>2016/10/28</a:t>
             </a:fld>
             <a:endParaRPr kumimoji="0" lang="zh-CN" altLang="en-US" sz="900" b="0" i="0" u="none" strike="noStrike" kern="1200" cap="none" spc="0" normalizeH="0" baseline="0" noProof="0">
               <a:ln>
@@ -4377,7 +4378,7 @@
                 <a:ea typeface="微软雅黑" pitchFamily="34" charset="-122"/>
                 <a:cs typeface="+mn-cs"/>
               </a:rPr>
-              <a:t>2016/10/27</a:t>
+              <a:t>2016/10/28</a:t>
             </a:fld>
             <a:endParaRPr kumimoji="0" lang="zh-CN" altLang="en-US" sz="900" b="0" i="0" u="none" strike="noStrike" kern="1200" cap="none" spc="0" normalizeH="0" baseline="0" noProof="0">
               <a:ln>
@@ -4715,7 +4716,7 @@
                 <a:ea typeface="微软雅黑" pitchFamily="34" charset="-122"/>
                 <a:cs typeface="+mn-cs"/>
               </a:rPr>
-              <a:t>2016/10/27</a:t>
+              <a:t>2016/10/28</a:t>
             </a:fld>
             <a:endParaRPr kumimoji="0" lang="zh-CN" altLang="en-US" sz="900" b="0" i="0" u="none" strike="noStrike" kern="1200" cap="none" spc="0" normalizeH="0" baseline="0" noProof="0">
               <a:ln>
@@ -5188,7 +5189,7 @@
                 <a:ea typeface="微软雅黑" pitchFamily="34" charset="-122"/>
                 <a:cs typeface="+mn-cs"/>
               </a:rPr>
-              <a:t>2016/10/27</a:t>
+              <a:t>2016/10/28</a:t>
             </a:fld>
             <a:endParaRPr kumimoji="0" lang="zh-CN" altLang="en-US" sz="900" b="0" i="0" u="none" strike="noStrike" kern="1200" cap="none" spc="0" normalizeH="0" baseline="0" noProof="0">
               <a:ln>
@@ -5566,7 +5567,7 @@
           <a:p>
             <a:fld id="{D997B5FA-0921-464F-AAE1-844C04324D75}" type="datetimeFigureOut">
               <a:rPr lang="zh-CN" altLang="en-US" smtClean="0"/>
-              <a:t>2016/10/27</a:t>
+              <a:t>2016/10/28</a:t>
             </a:fld>
             <a:endParaRPr lang="zh-CN" altLang="en-US"/>
           </a:p>
@@ -6391,7 +6392,7 @@
                 <a:ea typeface="微软雅黑" pitchFamily="34" charset="-122"/>
                 <a:cs typeface="+mn-cs"/>
               </a:rPr>
-              <a:t>2016/10/27</a:t>
+              <a:t>2016/10/28</a:t>
             </a:fld>
             <a:endParaRPr kumimoji="0" lang="zh-CN" altLang="en-US" sz="900" b="0" i="0" u="none" strike="noStrike" kern="1200" cap="none" spc="0" normalizeH="0" baseline="0" noProof="0">
               <a:ln>
@@ -6936,6 +6937,633 @@
 </file>
 
 <file path=ppt/slides/slide10.xml><?xml version="1.0" encoding="utf-8"?>
+<p:sld xmlns:a="http://schemas.openxmlformats.org/drawingml/2006/main" xmlns:r="http://schemas.openxmlformats.org/officeDocument/2006/relationships" xmlns:p="http://schemas.openxmlformats.org/presentationml/2006/main">
+  <p:cSld>
+    <p:spTree>
+      <p:nvGrpSpPr>
+        <p:cNvPr id="1" name=""/>
+        <p:cNvGrpSpPr/>
+        <p:nvPr/>
+      </p:nvGrpSpPr>
+      <p:grpSpPr>
+        <a:xfrm>
+          <a:off x="0" y="0"/>
+          <a:ext cx="0" cy="0"/>
+          <a:chOff x="0" y="0"/>
+          <a:chExt cx="0" cy="0"/>
+        </a:xfrm>
+      </p:grpSpPr>
+      <p:sp>
+        <p:nvSpPr>
+          <p:cNvPr id="2" name="标题 1"/>
+          <p:cNvSpPr>
+            <a:spLocks noGrp="1"/>
+          </p:cNvSpPr>
+          <p:nvPr>
+            <p:ph type="title"/>
+          </p:nvPr>
+        </p:nvSpPr>
+        <p:spPr/>
+        <p:txBody>
+          <a:bodyPr/>
+          <a:lstStyle/>
+          <a:p>
+            <a:r>
+              <a:rPr lang="zh-CN" altLang="en-US"/>
+              <a:t>访问控制</a:t>
+            </a:r>
+          </a:p>
+        </p:txBody>
+      </p:sp>
+      <p:sp>
+        <p:nvSpPr>
+          <p:cNvPr id="3" name="内容占位符 2"/>
+          <p:cNvSpPr>
+            <a:spLocks noGrp="1"/>
+          </p:cNvSpPr>
+          <p:nvPr>
+            <p:ph sz="half" idx="1"/>
+          </p:nvPr>
+        </p:nvSpPr>
+        <p:spPr/>
+        <p:txBody>
+          <a:bodyPr/>
+          <a:lstStyle/>
+          <a:p>
+            <a:r>
+              <a:rPr lang="zh-CN" altLang="en-US"/>
+              <a:t>Vertical Access Control </a:t>
+            </a:r>
+            <a:r>
+              <a:rPr lang="en-US" altLang="zh-CN"/>
+              <a:t>- </a:t>
+            </a:r>
+            <a:r>
+              <a:rPr lang="zh-CN" altLang="zh-CN"/>
+              <a:t>权限提升攻击</a:t>
+            </a:r>
+          </a:p>
+          <a:p>
+            <a:pPr lvl="1"/>
+            <a:r>
+              <a:rPr>
+                <a:ea typeface="宋体" charset="0"/>
+                <a:sym typeface="+mn-ea"/>
+              </a:rPr>
+              <a:t>	</a:t>
+            </a:r>
+            <a:r>
+              <a:rPr lang="zh-CN" altLang="zh-CN"/>
+              <a:t>由于web应用程序没有做权限控制，或仅仅在菜单上做了权限控制，导致的恶意用户只要猜测其他管理页面的URL，就可以访问或控制其他角色拥有的数据或页面，达到权限提升目的。</a:t>
+            </a:r>
+          </a:p>
+          <a:p>
+            <a:pPr lvl="1"/>
+            <a:r>
+              <a:rPr>
+                <a:ea typeface="宋体" charset="0"/>
+                <a:sym typeface="+mn-ea"/>
+              </a:rPr>
+              <a:t>	</a:t>
+            </a:r>
+            <a:r>
+              <a:rPr lang="zh-CN" altLang="zh-CN"/>
+              <a:t>应在服务端做严格权限控制</a:t>
+            </a:r>
+            <a:r>
+              <a:rPr lang="en-US" altLang="zh-CN"/>
+              <a:t>, </a:t>
+            </a:r>
+            <a:r>
+              <a:rPr lang="zh-CN" altLang="en-US">
+                <a:ea typeface="宋体" charset="0"/>
+              </a:rPr>
+              <a:t>而不是仅在客户端限制展示的菜单</a:t>
+            </a:r>
+            <a:r>
+              <a:rPr lang="en-US" altLang="zh-CN">
+                <a:ea typeface="宋体" charset="0"/>
+              </a:rPr>
+              <a:t>.</a:t>
+            </a:r>
+          </a:p>
+          <a:p>
+            <a:pPr lvl="0"/>
+            <a:endParaRPr lang="en-US" altLang="zh-CN">
+              <a:ea typeface="宋体" charset="0"/>
+            </a:endParaRPr>
+          </a:p>
+        </p:txBody>
+      </p:sp>
+      <p:sp>
+        <p:nvSpPr>
+          <p:cNvPr id="4" name="内容占位符 3"/>
+          <p:cNvSpPr>
+            <a:spLocks noGrp="1"/>
+          </p:cNvSpPr>
+          <p:nvPr>
+            <p:ph sz="half" idx="2"/>
+          </p:nvPr>
+        </p:nvSpPr>
+        <p:spPr/>
+        <p:txBody>
+          <a:bodyPr/>
+          <a:lstStyle/>
+          <a:p>
+            <a:pPr lvl="0"/>
+            <a:r>
+              <a:rPr lang="en-US" altLang="zh-CN" sz="2400" dirty="0">
+                <a:ea typeface="宋体" charset="0"/>
+                <a:sym typeface="+mn-ea"/>
+              </a:rPr>
+              <a:t>Horizontal Access Control - </a:t>
+            </a:r>
+            <a:r>
+              <a:rPr lang="zh-CN" altLang="en-US" sz="2400" dirty="0">
+                <a:ea typeface="宋体" charset="0"/>
+                <a:sym typeface="+mn-ea"/>
+              </a:rPr>
+              <a:t>访问控制攻击</a:t>
+            </a:r>
+          </a:p>
+          <a:p>
+            <a:pPr lvl="1"/>
+            <a:r>
+              <a:rPr dirty="0">
+                <a:ea typeface="宋体" charset="0"/>
+                <a:sym typeface="+mn-ea"/>
+              </a:rPr>
+              <a:t>	</a:t>
+            </a:r>
+            <a:r>
+              <a:rPr lang="zh-CN" altLang="en-US" sz="1800" dirty="0">
+                <a:ea typeface="宋体" charset="0"/>
+                <a:sym typeface="+mn-ea"/>
+              </a:rPr>
+              <a:t>Web应用程序接收到用户请求，修改某条数据时，没有判断数据的所属人，或判断数据所属人时，从用户提交的request参数（用户可控数据）中，获取了数据所属人id，导致恶意攻击者可以通过变换数据ID，或变换所属人id，修改不属于自己的数据。</a:t>
+            </a:r>
+          </a:p>
+          <a:p>
+            <a:pPr lvl="1"/>
+            <a:r>
+              <a:rPr dirty="0">
+                <a:ea typeface="宋体" charset="0"/>
+                <a:sym typeface="+mn-ea"/>
+              </a:rPr>
+              <a:t>	</a:t>
+            </a:r>
+            <a:r>
+              <a:rPr lang="zh-CN" altLang="en-US" dirty="0">
+                <a:ea typeface="宋体" charset="0"/>
+                <a:sym typeface="+mn-ea"/>
+              </a:rPr>
+              <a:t>涉及用户相关信息</a:t>
+            </a:r>
+            <a:r>
+              <a:rPr lang="en-US" altLang="zh-CN" dirty="0">
+                <a:ea typeface="宋体" charset="0"/>
+                <a:sym typeface="+mn-ea"/>
+              </a:rPr>
+              <a:t>, </a:t>
+            </a:r>
+            <a:r>
+              <a:rPr lang="zh-CN" altLang="en-US" dirty="0">
+                <a:ea typeface="宋体" charset="0"/>
+                <a:sym typeface="+mn-ea"/>
+              </a:rPr>
+              <a:t>应从</a:t>
+            </a:r>
+            <a:r>
+              <a:rPr lang="en-US" altLang="zh-CN" dirty="0">
+                <a:ea typeface="宋体" charset="0"/>
+                <a:sym typeface="+mn-ea"/>
+              </a:rPr>
+              <a:t>session</a:t>
+            </a:r>
+            <a:r>
+              <a:rPr lang="zh-CN" altLang="en-US" dirty="0">
+                <a:ea typeface="宋体" charset="0"/>
+                <a:sym typeface="+mn-ea"/>
+              </a:rPr>
+              <a:t>或者</a:t>
+            </a:r>
+            <a:r>
+              <a:rPr lang="en-US" altLang="zh-CN" dirty="0">
+                <a:ea typeface="宋体" charset="0"/>
+                <a:sym typeface="+mn-ea"/>
+              </a:rPr>
+              <a:t>cookie(</a:t>
+            </a:r>
+            <a:r>
+              <a:rPr lang="zh-CN" altLang="en-US" dirty="0">
+                <a:ea typeface="宋体" charset="0"/>
+                <a:sym typeface="+mn-ea"/>
+              </a:rPr>
+              <a:t>需加密</a:t>
+            </a:r>
+            <a:r>
+              <a:rPr lang="en-US" altLang="zh-CN" dirty="0">
+                <a:ea typeface="宋体" charset="0"/>
+                <a:sym typeface="+mn-ea"/>
+              </a:rPr>
+              <a:t>)</a:t>
+            </a:r>
+            <a:r>
+              <a:rPr lang="zh-CN" altLang="en-US" dirty="0">
+                <a:ea typeface="宋体" charset="0"/>
+                <a:sym typeface="+mn-ea"/>
+              </a:rPr>
+              <a:t>等处中获取用户信息</a:t>
+            </a:r>
+            <a:r>
+              <a:rPr lang="en-US" altLang="zh-CN" dirty="0">
+                <a:ea typeface="宋体" charset="0"/>
+                <a:sym typeface="+mn-ea"/>
+              </a:rPr>
+              <a:t>, </a:t>
+            </a:r>
+            <a:r>
+              <a:rPr lang="zh-CN" altLang="en-US" dirty="0">
+                <a:ea typeface="宋体" charset="0"/>
+                <a:sym typeface="+mn-ea"/>
+              </a:rPr>
+              <a:t>而不是接受用户提交用户</a:t>
+            </a:r>
+            <a:r>
+              <a:rPr lang="en-US" altLang="zh-CN" dirty="0">
+                <a:ea typeface="宋体" charset="0"/>
+                <a:sym typeface="+mn-ea"/>
+              </a:rPr>
+              <a:t>id</a:t>
+            </a:r>
+            <a:r>
+              <a:rPr lang="zh-CN" altLang="en-US" dirty="0">
+                <a:ea typeface="宋体" charset="0"/>
+                <a:sym typeface="+mn-ea"/>
+              </a:rPr>
+              <a:t>等</a:t>
+            </a:r>
+            <a:r>
+              <a:rPr lang="en-US" altLang="zh-CN" dirty="0">
+                <a:ea typeface="宋体" charset="0"/>
+                <a:sym typeface="+mn-ea"/>
+              </a:rPr>
+              <a:t>.</a:t>
+            </a:r>
+            <a:endParaRPr lang="zh-CN" altLang="en-US" sz="1800" dirty="0">
+              <a:ea typeface="宋体" charset="0"/>
+              <a:sym typeface="+mn-ea"/>
+            </a:endParaRPr>
+          </a:p>
+          <a:p>
+            <a:pPr lvl="1"/>
+            <a:endParaRPr lang="zh-CN" altLang="en-US" sz="1800" dirty="0">
+              <a:ea typeface="宋体" charset="0"/>
+            </a:endParaRPr>
+          </a:p>
+          <a:p>
+            <a:pPr lvl="1"/>
+            <a:endParaRPr lang="zh-CN" altLang="en-US" dirty="0"/>
+          </a:p>
+        </p:txBody>
+      </p:sp>
+    </p:spTree>
+  </p:cSld>
+  <p:clrMapOvr>
+    <a:masterClrMapping/>
+  </p:clrMapOvr>
+  <p:timing>
+    <p:tnLst>
+      <p:par>
+        <p:cTn id="1" dur="indefinite" restart="never" nodeType="tmRoot">
+          <p:childTnLst>
+            <p:seq concurrent="1" nextAc="seek">
+              <p:cTn id="2" dur="indefinite" nodeType="mainSeq">
+                <p:childTnLst>
+                  <p:par>
+                    <p:cTn id="3" fill="hold">
+                      <p:stCondLst>
+                        <p:cond delay="indefinite"/>
+                      </p:stCondLst>
+                      <p:childTnLst>
+                        <p:par>
+                          <p:cTn id="4" fill="hold">
+                            <p:stCondLst>
+                              <p:cond delay="0"/>
+                            </p:stCondLst>
+                            <p:childTnLst>
+                              <p:par>
+                                <p:cTn id="5" presetID="3" presetClass="entr" presetSubtype="10" fill="hold" grpId="0" nodeType="clickEffect">
+                                  <p:stCondLst>
+                                    <p:cond delay="0"/>
+                                  </p:stCondLst>
+                                  <p:childTnLst>
+                                    <p:set>
+                                      <p:cBhvr>
+                                        <p:cTn id="6" dur="1" fill="hold">
+                                          <p:stCondLst>
+                                            <p:cond delay="0"/>
+                                          </p:stCondLst>
+                                        </p:cTn>
+                                        <p:tgtEl>
+                                          <p:spTgt spid="3">
+                                            <p:txEl>
+                                              <p:pRg st="0" end="0"/>
+                                            </p:txEl>
+                                          </p:spTgt>
+                                        </p:tgtEl>
+                                        <p:attrNameLst>
+                                          <p:attrName>style.visibility</p:attrName>
+                                        </p:attrNameLst>
+                                      </p:cBhvr>
+                                      <p:to>
+                                        <p:strVal val="visible"/>
+                                      </p:to>
+                                    </p:set>
+                                    <p:animEffect transition="in" filter="blinds(horizontal)">
+                                      <p:cBhvr>
+                                        <p:cTn id="7" dur="500"/>
+                                        <p:tgtEl>
+                                          <p:spTgt spid="3">
+                                            <p:txEl>
+                                              <p:pRg st="0" end="0"/>
+                                            </p:txEl>
+                                          </p:spTgt>
+                                        </p:tgtEl>
+                                      </p:cBhvr>
+                                    </p:animEffect>
+                                  </p:childTnLst>
+                                </p:cTn>
+                              </p:par>
+                              <p:par>
+                                <p:cTn id="8" presetID="3" presetClass="entr" presetSubtype="10" fill="hold" grpId="0" nodeType="withEffect">
+                                  <p:stCondLst>
+                                    <p:cond delay="0"/>
+                                  </p:stCondLst>
+                                  <p:childTnLst>
+                                    <p:set>
+                                      <p:cBhvr>
+                                        <p:cTn id="9" dur="1" fill="hold">
+                                          <p:stCondLst>
+                                            <p:cond delay="0"/>
+                                          </p:stCondLst>
+                                        </p:cTn>
+                                        <p:tgtEl>
+                                          <p:spTgt spid="3">
+                                            <p:txEl>
+                                              <p:pRg st="1" end="1"/>
+                                            </p:txEl>
+                                          </p:spTgt>
+                                        </p:tgtEl>
+                                        <p:attrNameLst>
+                                          <p:attrName>style.visibility</p:attrName>
+                                        </p:attrNameLst>
+                                      </p:cBhvr>
+                                      <p:to>
+                                        <p:strVal val="visible"/>
+                                      </p:to>
+                                    </p:set>
+                                    <p:animEffect transition="in" filter="blinds(horizontal)">
+                                      <p:cBhvr>
+                                        <p:cTn id="10" dur="500"/>
+                                        <p:tgtEl>
+                                          <p:spTgt spid="3">
+                                            <p:txEl>
+                                              <p:pRg st="1" end="1"/>
+                                            </p:txEl>
+                                          </p:spTgt>
+                                        </p:tgtEl>
+                                      </p:cBhvr>
+                                    </p:animEffect>
+                                  </p:childTnLst>
+                                </p:cTn>
+                              </p:par>
+                              <p:par>
+                                <p:cTn id="11" presetID="3" presetClass="entr" presetSubtype="10" fill="hold" grpId="0" nodeType="withEffect">
+                                  <p:stCondLst>
+                                    <p:cond delay="0"/>
+                                  </p:stCondLst>
+                                  <p:childTnLst>
+                                    <p:set>
+                                      <p:cBhvr>
+                                        <p:cTn id="12" dur="1" fill="hold">
+                                          <p:stCondLst>
+                                            <p:cond delay="0"/>
+                                          </p:stCondLst>
+                                        </p:cTn>
+                                        <p:tgtEl>
+                                          <p:spTgt spid="3">
+                                            <p:txEl>
+                                              <p:pRg st="2" end="2"/>
+                                            </p:txEl>
+                                          </p:spTgt>
+                                        </p:tgtEl>
+                                        <p:attrNameLst>
+                                          <p:attrName>style.visibility</p:attrName>
+                                        </p:attrNameLst>
+                                      </p:cBhvr>
+                                      <p:to>
+                                        <p:strVal val="visible"/>
+                                      </p:to>
+                                    </p:set>
+                                    <p:animEffect transition="in" filter="blinds(horizontal)">
+                                      <p:cBhvr>
+                                        <p:cTn id="13" dur="500"/>
+                                        <p:tgtEl>
+                                          <p:spTgt spid="3">
+                                            <p:txEl>
+                                              <p:pRg st="2" end="2"/>
+                                            </p:txEl>
+                                          </p:spTgt>
+                                        </p:tgtEl>
+                                      </p:cBhvr>
+                                    </p:animEffect>
+                                  </p:childTnLst>
+                                </p:cTn>
+                              </p:par>
+                            </p:childTnLst>
+                          </p:cTn>
+                        </p:par>
+                      </p:childTnLst>
+                    </p:cTn>
+                  </p:par>
+                  <p:par>
+                    <p:cTn id="14" fill="hold">
+                      <p:stCondLst>
+                        <p:cond delay="indefinite"/>
+                      </p:stCondLst>
+                      <p:childTnLst>
+                        <p:par>
+                          <p:cTn id="15" fill="hold">
+                            <p:stCondLst>
+                              <p:cond delay="0"/>
+                            </p:stCondLst>
+                            <p:childTnLst>
+                              <p:par>
+                                <p:cTn id="16" presetID="3" presetClass="entr" presetSubtype="10" fill="hold" grpId="0" nodeType="clickEffect">
+                                  <p:stCondLst>
+                                    <p:cond delay="0"/>
+                                  </p:stCondLst>
+                                  <p:childTnLst>
+                                    <p:set>
+                                      <p:cBhvr>
+                                        <p:cTn id="17" dur="1" fill="hold">
+                                          <p:stCondLst>
+                                            <p:cond delay="0"/>
+                                          </p:stCondLst>
+                                        </p:cTn>
+                                        <p:tgtEl>
+                                          <p:spTgt spid="4">
+                                            <p:txEl>
+                                              <p:pRg st="0" end="0"/>
+                                            </p:txEl>
+                                          </p:spTgt>
+                                        </p:tgtEl>
+                                        <p:attrNameLst>
+                                          <p:attrName>style.visibility</p:attrName>
+                                        </p:attrNameLst>
+                                      </p:cBhvr>
+                                      <p:to>
+                                        <p:strVal val="visible"/>
+                                      </p:to>
+                                    </p:set>
+                                    <p:animEffect transition="in" filter="blinds(horizontal)">
+                                      <p:cBhvr>
+                                        <p:cTn id="18" dur="500"/>
+                                        <p:tgtEl>
+                                          <p:spTgt spid="4">
+                                            <p:txEl>
+                                              <p:pRg st="0" end="0"/>
+                                            </p:txEl>
+                                          </p:spTgt>
+                                        </p:tgtEl>
+                                      </p:cBhvr>
+                                    </p:animEffect>
+                                  </p:childTnLst>
+                                </p:cTn>
+                              </p:par>
+                              <p:par>
+                                <p:cTn id="19" presetID="3" presetClass="entr" presetSubtype="10" fill="hold" grpId="0" nodeType="withEffect">
+                                  <p:stCondLst>
+                                    <p:cond delay="0"/>
+                                  </p:stCondLst>
+                                  <p:childTnLst>
+                                    <p:set>
+                                      <p:cBhvr>
+                                        <p:cTn id="20" dur="1" fill="hold">
+                                          <p:stCondLst>
+                                            <p:cond delay="0"/>
+                                          </p:stCondLst>
+                                        </p:cTn>
+                                        <p:tgtEl>
+                                          <p:spTgt spid="4">
+                                            <p:txEl>
+                                              <p:pRg st="1" end="1"/>
+                                            </p:txEl>
+                                          </p:spTgt>
+                                        </p:tgtEl>
+                                        <p:attrNameLst>
+                                          <p:attrName>style.visibility</p:attrName>
+                                        </p:attrNameLst>
+                                      </p:cBhvr>
+                                      <p:to>
+                                        <p:strVal val="visible"/>
+                                      </p:to>
+                                    </p:set>
+                                    <p:animEffect transition="in" filter="blinds(horizontal)">
+                                      <p:cBhvr>
+                                        <p:cTn id="21" dur="500"/>
+                                        <p:tgtEl>
+                                          <p:spTgt spid="4">
+                                            <p:txEl>
+                                              <p:pRg st="1" end="1"/>
+                                            </p:txEl>
+                                          </p:spTgt>
+                                        </p:tgtEl>
+                                      </p:cBhvr>
+                                    </p:animEffect>
+                                  </p:childTnLst>
+                                </p:cTn>
+                              </p:par>
+                              <p:par>
+                                <p:cTn id="22" presetID="3" presetClass="entr" presetSubtype="10" fill="hold" grpId="0" nodeType="withEffect">
+                                  <p:stCondLst>
+                                    <p:cond delay="0"/>
+                                  </p:stCondLst>
+                                  <p:childTnLst>
+                                    <p:set>
+                                      <p:cBhvr>
+                                        <p:cTn id="23" dur="1" fill="hold">
+                                          <p:stCondLst>
+                                            <p:cond delay="0"/>
+                                          </p:stCondLst>
+                                        </p:cTn>
+                                        <p:tgtEl>
+                                          <p:spTgt spid="4">
+                                            <p:txEl>
+                                              <p:pRg st="2" end="2"/>
+                                            </p:txEl>
+                                          </p:spTgt>
+                                        </p:tgtEl>
+                                        <p:attrNameLst>
+                                          <p:attrName>style.visibility</p:attrName>
+                                        </p:attrNameLst>
+                                      </p:cBhvr>
+                                      <p:to>
+                                        <p:strVal val="visible"/>
+                                      </p:to>
+                                    </p:set>
+                                    <p:animEffect transition="in" filter="blinds(horizontal)">
+                                      <p:cBhvr>
+                                        <p:cTn id="24" dur="500"/>
+                                        <p:tgtEl>
+                                          <p:spTgt spid="4">
+                                            <p:txEl>
+                                              <p:pRg st="2" end="2"/>
+                                            </p:txEl>
+                                          </p:spTgt>
+                                        </p:tgtEl>
+                                      </p:cBhvr>
+                                    </p:animEffect>
+                                  </p:childTnLst>
+                                </p:cTn>
+                              </p:par>
+                            </p:childTnLst>
+                          </p:cTn>
+                        </p:par>
+                      </p:childTnLst>
+                    </p:cTn>
+                  </p:par>
+                </p:childTnLst>
+              </p:cTn>
+              <p:prevCondLst>
+                <p:cond evt="onPrev" delay="0">
+                  <p:tgtEl>
+                    <p:sldTgt/>
+                  </p:tgtEl>
+                </p:cond>
+              </p:prevCondLst>
+              <p:nextCondLst>
+                <p:cond evt="onNext" delay="0">
+                  <p:tgtEl>
+                    <p:sldTgt/>
+                  </p:tgtEl>
+                </p:cond>
+              </p:nextCondLst>
+            </p:seq>
+          </p:childTnLst>
+        </p:cTn>
+      </p:par>
+    </p:tnLst>
+    <p:bldLst>
+      <p:bldP spid="3" grpId="0" uiExpand="1" build="p"/>
+      <p:bldP spid="4" grpId="0" uiExpand="1" build="p"/>
+    </p:bldLst>
+  </p:timing>
+</p:sld>
+</file>
+
+<file path=ppt/slides/slide11.xml><?xml version="1.0" encoding="utf-8"?>
 <p:sld xmlns:a="http://schemas.openxmlformats.org/drawingml/2006/main" xmlns:r="http://schemas.openxmlformats.org/officeDocument/2006/relationships" xmlns:p="http://schemas.openxmlformats.org/presentationml/2006/main">
   <p:cSld>
     <p:spTree>
@@ -7535,7 +8163,7 @@
 </p:sld>
 </file>
 
-<file path=ppt/slides/slide11.xml><?xml version="1.0" encoding="utf-8"?>
+<file path=ppt/slides/slide12.xml><?xml version="1.0" encoding="utf-8"?>
 <p:sld xmlns:a="http://schemas.openxmlformats.org/drawingml/2006/main" xmlns:r="http://schemas.openxmlformats.org/officeDocument/2006/relationships" xmlns:p="http://schemas.openxmlformats.org/presentationml/2006/main">
   <p:cSld>
     <p:spTree>
@@ -8080,7 +8708,7 @@
 </p:sld>
 </file>
 
-<file path=ppt/slides/slide12.xml><?xml version="1.0" encoding="utf-8"?>
+<file path=ppt/slides/slide13.xml><?xml version="1.0" encoding="utf-8"?>
 <p:sld xmlns:a="http://schemas.openxmlformats.org/drawingml/2006/main" xmlns:r="http://schemas.openxmlformats.org/officeDocument/2006/relationships" xmlns:p="http://schemas.openxmlformats.org/presentationml/2006/main">
   <p:cSld>
     <p:spTree>
@@ -8593,7 +9221,7 @@
 </p:sld>
 </file>
 
-<file path=ppt/slides/slide13.xml><?xml version="1.0" encoding="utf-8"?>
+<file path=ppt/slides/slide14.xml><?xml version="1.0" encoding="utf-8"?>
 <p:sld xmlns:a="http://schemas.openxmlformats.org/drawingml/2006/main" xmlns:r="http://schemas.openxmlformats.org/officeDocument/2006/relationships" xmlns:p="http://schemas.openxmlformats.org/presentationml/2006/main">
   <p:cSld>
     <p:spTree>
@@ -8723,7 +9351,7 @@
 </p:sld>
 </file>
 
-<file path=ppt/slides/slide14.xml><?xml version="1.0" encoding="utf-8"?>
+<file path=ppt/slides/slide15.xml><?xml version="1.0" encoding="utf-8"?>
 <p:sld xmlns:a="http://schemas.openxmlformats.org/drawingml/2006/main" xmlns:r="http://schemas.openxmlformats.org/officeDocument/2006/relationships" xmlns:p="http://schemas.openxmlformats.org/presentationml/2006/main">
   <p:cSld>
     <p:spTree>
@@ -10857,7 +11485,15 @@
             </a:r>
             <a:r>
               <a:rPr lang="zh-CN" altLang="zh-CN" dirty="0"/>
-              <a:t>安全威胁的修补方案标准，以便大家能够快速的定位漏洞代码和解除安全隐患</a:t>
+              <a:t>安全威胁的修补</a:t>
+            </a:r>
+            <a:r>
+              <a:rPr lang="zh-CN" altLang="en-US" dirty="0"/>
+              <a:t>参考</a:t>
+            </a:r>
+            <a:r>
+              <a:rPr lang="zh-CN" altLang="zh-CN" dirty="0"/>
+              <a:t>，以便大家能够快速的定位漏洞代码和解除安全隐患</a:t>
             </a:r>
             <a:endParaRPr lang="zh-CN" altLang="en-US" dirty="0"/>
           </a:p>
@@ -10877,6 +11513,141 @@
 </file>
 
 <file path=ppt/slides/slide3.xml><?xml version="1.0" encoding="utf-8"?>
+<p:sld xmlns:a="http://schemas.openxmlformats.org/drawingml/2006/main" xmlns:r="http://schemas.openxmlformats.org/officeDocument/2006/relationships" xmlns:p="http://schemas.openxmlformats.org/presentationml/2006/main">
+  <p:cSld>
+    <p:spTree>
+      <p:nvGrpSpPr>
+        <p:cNvPr id="1" name=""/>
+        <p:cNvGrpSpPr/>
+        <p:nvPr/>
+      </p:nvGrpSpPr>
+      <p:grpSpPr>
+        <a:xfrm>
+          <a:off x="0" y="0"/>
+          <a:ext cx="0" cy="0"/>
+          <a:chOff x="0" y="0"/>
+          <a:chExt cx="0" cy="0"/>
+        </a:xfrm>
+      </p:grpSpPr>
+      <p:sp>
+        <p:nvSpPr>
+          <p:cNvPr id="2" name="标题 1"/>
+          <p:cNvSpPr>
+            <a:spLocks noGrp="1"/>
+          </p:cNvSpPr>
+          <p:nvPr>
+            <p:ph type="title"/>
+          </p:nvPr>
+        </p:nvSpPr>
+        <p:spPr/>
+        <p:txBody>
+          <a:bodyPr/>
+          <a:lstStyle/>
+          <a:p>
+            <a:r>
+              <a:rPr lang="zh-CN" altLang="en-US" dirty="0"/>
+              <a:t>预备知识</a:t>
+            </a:r>
+          </a:p>
+        </p:txBody>
+      </p:sp>
+      <p:sp>
+        <p:nvSpPr>
+          <p:cNvPr id="3" name="内容占位符 2"/>
+          <p:cNvSpPr>
+            <a:spLocks noGrp="1"/>
+          </p:cNvSpPr>
+          <p:nvPr>
+            <p:ph sz="half" idx="1"/>
+          </p:nvPr>
+        </p:nvSpPr>
+        <p:spPr/>
+        <p:txBody>
+          <a:bodyPr/>
+          <a:lstStyle/>
+          <a:p>
+            <a:r>
+              <a:rPr lang="en-US" altLang="zh-CN" dirty="0"/>
+              <a:t>HTTP</a:t>
+            </a:r>
+            <a:r>
+              <a:rPr lang="zh-CN" altLang="en-US" dirty="0"/>
+              <a:t>协议</a:t>
+            </a:r>
+            <a:endParaRPr lang="en-US" altLang="zh-CN" dirty="0"/>
+          </a:p>
+          <a:p>
+            <a:endParaRPr lang="en-US" altLang="zh-CN" dirty="0"/>
+          </a:p>
+          <a:p>
+            <a:endParaRPr lang="en-US" altLang="zh-CN" dirty="0"/>
+          </a:p>
+          <a:p>
+            <a:r>
+              <a:rPr lang="en-US" altLang="zh-CN" dirty="0"/>
+              <a:t>COOKIE</a:t>
+            </a:r>
+            <a:r>
+              <a:rPr lang="zh-CN" altLang="en-US" dirty="0"/>
+              <a:t>生命周期</a:t>
+            </a:r>
+            <a:endParaRPr lang="en-US" altLang="zh-CN" dirty="0"/>
+          </a:p>
+          <a:p>
+            <a:endParaRPr lang="en-US" altLang="zh-CN" dirty="0"/>
+          </a:p>
+          <a:p>
+            <a:endParaRPr lang="en-US" altLang="zh-CN" dirty="0"/>
+          </a:p>
+          <a:p>
+            <a:r>
+              <a:rPr lang="zh-CN" altLang="en-US" dirty="0"/>
+              <a:t>服务端</a:t>
+            </a:r>
+            <a:r>
+              <a:rPr lang="en-US" altLang="zh-CN" dirty="0"/>
+              <a:t>session</a:t>
+            </a:r>
+            <a:r>
+              <a:rPr lang="zh-CN" altLang="en-US" dirty="0"/>
+              <a:t>管理</a:t>
+            </a:r>
+          </a:p>
+        </p:txBody>
+      </p:sp>
+      <p:sp>
+        <p:nvSpPr>
+          <p:cNvPr id="4" name="内容占位符 3"/>
+          <p:cNvSpPr>
+            <a:spLocks noGrp="1"/>
+          </p:cNvSpPr>
+          <p:nvPr>
+            <p:ph sz="half" idx="2"/>
+          </p:nvPr>
+        </p:nvSpPr>
+        <p:spPr/>
+        <p:txBody>
+          <a:bodyPr/>
+          <a:lstStyle/>
+          <a:p>
+            <a:endParaRPr lang="zh-CN" altLang="en-US" dirty="0"/>
+          </a:p>
+        </p:txBody>
+      </p:sp>
+    </p:spTree>
+    <p:extLst>
+      <p:ext uri="{BB962C8B-B14F-4D97-AF65-F5344CB8AC3E}">
+        <p14:creationId xmlns:p14="http://schemas.microsoft.com/office/powerpoint/2010/main" val="3327106703"/>
+      </p:ext>
+    </p:extLst>
+  </p:cSld>
+  <p:clrMapOvr>
+    <a:masterClrMapping/>
+  </p:clrMapOvr>
+</p:sld>
+</file>
+
+<file path=ppt/slides/slide4.xml><?xml version="1.0" encoding="utf-8"?>
 <p:sld xmlns:a="http://schemas.openxmlformats.org/drawingml/2006/main" xmlns:r="http://schemas.openxmlformats.org/officeDocument/2006/relationships" xmlns:p="http://schemas.openxmlformats.org/presentationml/2006/main">
   <p:cSld>
     <p:spTree>
@@ -11617,7 +12388,7 @@
 </p:sld>
 </file>
 
-<file path=ppt/slides/slide4.xml><?xml version="1.0" encoding="utf-8"?>
+<file path=ppt/slides/slide5.xml><?xml version="1.0" encoding="utf-8"?>
 <p:sld xmlns:a="http://schemas.openxmlformats.org/drawingml/2006/main" xmlns:r="http://schemas.openxmlformats.org/officeDocument/2006/relationships" xmlns:p="http://schemas.openxmlformats.org/presentationml/2006/main">
   <p:cSld>
     <p:spTree>
@@ -12404,7 +13175,7 @@
 </p:sld>
 </file>
 
-<file path=ppt/slides/slide5.xml><?xml version="1.0" encoding="utf-8"?>
+<file path=ppt/slides/slide6.xml><?xml version="1.0" encoding="utf-8"?>
 <p:sld xmlns:a="http://schemas.openxmlformats.org/drawingml/2006/main" xmlns:r="http://schemas.openxmlformats.org/officeDocument/2006/relationships" xmlns:p="http://schemas.openxmlformats.org/presentationml/2006/main">
   <p:cSld>
     <p:spTree>
@@ -13281,7 +14052,7 @@
 </p:sld>
 </file>
 
-<file path=ppt/slides/slide6.xml><?xml version="1.0" encoding="utf-8"?>
+<file path=ppt/slides/slide7.xml><?xml version="1.0" encoding="utf-8"?>
 <p:sld xmlns:a="http://schemas.openxmlformats.org/drawingml/2006/main" xmlns:r="http://schemas.openxmlformats.org/officeDocument/2006/relationships" xmlns:p="http://schemas.openxmlformats.org/presentationml/2006/main">
   <p:cSld>
     <p:spTree>
@@ -14027,7 +14798,7 @@
 </p:sld>
 </file>
 
-<file path=ppt/slides/slide7.xml><?xml version="1.0" encoding="utf-8"?>
+<file path=ppt/slides/slide8.xml><?xml version="1.0" encoding="utf-8"?>
 <p:sld xmlns:a="http://schemas.openxmlformats.org/drawingml/2006/main" xmlns:r="http://schemas.openxmlformats.org/officeDocument/2006/relationships" xmlns:p="http://schemas.openxmlformats.org/presentationml/2006/main">
   <p:cSld>
     <p:spTree>
@@ -15157,7 +15928,7 @@
 </p:sld>
 </file>
 
-<file path=ppt/slides/slide8.xml><?xml version="1.0" encoding="utf-8"?>
+<file path=ppt/slides/slide9.xml><?xml version="1.0" encoding="utf-8"?>
 <p:sld xmlns:a="http://schemas.openxmlformats.org/drawingml/2006/main" xmlns:r="http://schemas.openxmlformats.org/officeDocument/2006/relationships" xmlns:p="http://schemas.openxmlformats.org/presentationml/2006/main">
   <p:cSld>
     <p:spTree>
@@ -15822,633 +16593,6 @@
                                           <p:spTgt spid="4">
                                             <p:txEl>
                                               <p:pRg st="3" end="3"/>
-                                            </p:txEl>
-                                          </p:spTgt>
-                                        </p:tgtEl>
-                                      </p:cBhvr>
-                                    </p:animEffect>
-                                  </p:childTnLst>
-                                </p:cTn>
-                              </p:par>
-                            </p:childTnLst>
-                          </p:cTn>
-                        </p:par>
-                      </p:childTnLst>
-                    </p:cTn>
-                  </p:par>
-                </p:childTnLst>
-              </p:cTn>
-              <p:prevCondLst>
-                <p:cond evt="onPrev" delay="0">
-                  <p:tgtEl>
-                    <p:sldTgt/>
-                  </p:tgtEl>
-                </p:cond>
-              </p:prevCondLst>
-              <p:nextCondLst>
-                <p:cond evt="onNext" delay="0">
-                  <p:tgtEl>
-                    <p:sldTgt/>
-                  </p:tgtEl>
-                </p:cond>
-              </p:nextCondLst>
-            </p:seq>
-          </p:childTnLst>
-        </p:cTn>
-      </p:par>
-    </p:tnLst>
-    <p:bldLst>
-      <p:bldP spid="3" grpId="0" uiExpand="1" build="p"/>
-      <p:bldP spid="4" grpId="0" uiExpand="1" build="p"/>
-    </p:bldLst>
-  </p:timing>
-</p:sld>
-</file>
-
-<file path=ppt/slides/slide9.xml><?xml version="1.0" encoding="utf-8"?>
-<p:sld xmlns:a="http://schemas.openxmlformats.org/drawingml/2006/main" xmlns:r="http://schemas.openxmlformats.org/officeDocument/2006/relationships" xmlns:p="http://schemas.openxmlformats.org/presentationml/2006/main">
-  <p:cSld>
-    <p:spTree>
-      <p:nvGrpSpPr>
-        <p:cNvPr id="1" name=""/>
-        <p:cNvGrpSpPr/>
-        <p:nvPr/>
-      </p:nvGrpSpPr>
-      <p:grpSpPr>
-        <a:xfrm>
-          <a:off x="0" y="0"/>
-          <a:ext cx="0" cy="0"/>
-          <a:chOff x="0" y="0"/>
-          <a:chExt cx="0" cy="0"/>
-        </a:xfrm>
-      </p:grpSpPr>
-      <p:sp>
-        <p:nvSpPr>
-          <p:cNvPr id="2" name="标题 1"/>
-          <p:cNvSpPr>
-            <a:spLocks noGrp="1"/>
-          </p:cNvSpPr>
-          <p:nvPr>
-            <p:ph type="title"/>
-          </p:nvPr>
-        </p:nvSpPr>
-        <p:spPr/>
-        <p:txBody>
-          <a:bodyPr/>
-          <a:lstStyle/>
-          <a:p>
-            <a:r>
-              <a:rPr lang="zh-CN" altLang="en-US"/>
-              <a:t>访问控制</a:t>
-            </a:r>
-          </a:p>
-        </p:txBody>
-      </p:sp>
-      <p:sp>
-        <p:nvSpPr>
-          <p:cNvPr id="3" name="内容占位符 2"/>
-          <p:cNvSpPr>
-            <a:spLocks noGrp="1"/>
-          </p:cNvSpPr>
-          <p:nvPr>
-            <p:ph sz="half" idx="1"/>
-          </p:nvPr>
-        </p:nvSpPr>
-        <p:spPr/>
-        <p:txBody>
-          <a:bodyPr/>
-          <a:lstStyle/>
-          <a:p>
-            <a:r>
-              <a:rPr lang="zh-CN" altLang="en-US"/>
-              <a:t>Vertical Access Control </a:t>
-            </a:r>
-            <a:r>
-              <a:rPr lang="en-US" altLang="zh-CN"/>
-              <a:t>- </a:t>
-            </a:r>
-            <a:r>
-              <a:rPr lang="zh-CN" altLang="zh-CN"/>
-              <a:t>权限提升攻击</a:t>
-            </a:r>
-          </a:p>
-          <a:p>
-            <a:pPr lvl="1"/>
-            <a:r>
-              <a:rPr>
-                <a:ea typeface="宋体" charset="0"/>
-                <a:sym typeface="+mn-ea"/>
-              </a:rPr>
-              <a:t>	</a:t>
-            </a:r>
-            <a:r>
-              <a:rPr lang="zh-CN" altLang="zh-CN"/>
-              <a:t>由于web应用程序没有做权限控制，或仅仅在菜单上做了权限控制，导致的恶意用户只要猜测其他管理页面的URL，就可以访问或控制其他角色拥有的数据或页面，达到权限提升目的。</a:t>
-            </a:r>
-          </a:p>
-          <a:p>
-            <a:pPr lvl="1"/>
-            <a:r>
-              <a:rPr>
-                <a:ea typeface="宋体" charset="0"/>
-                <a:sym typeface="+mn-ea"/>
-              </a:rPr>
-              <a:t>	</a:t>
-            </a:r>
-            <a:r>
-              <a:rPr lang="zh-CN" altLang="zh-CN"/>
-              <a:t>应在服务端做严格权限控制</a:t>
-            </a:r>
-            <a:r>
-              <a:rPr lang="en-US" altLang="zh-CN"/>
-              <a:t>, </a:t>
-            </a:r>
-            <a:r>
-              <a:rPr lang="zh-CN" altLang="en-US">
-                <a:ea typeface="宋体" charset="0"/>
-              </a:rPr>
-              <a:t>而不是仅在客户端限制展示的菜单</a:t>
-            </a:r>
-            <a:r>
-              <a:rPr lang="en-US" altLang="zh-CN">
-                <a:ea typeface="宋体" charset="0"/>
-              </a:rPr>
-              <a:t>.</a:t>
-            </a:r>
-          </a:p>
-          <a:p>
-            <a:pPr lvl="0"/>
-            <a:endParaRPr lang="en-US" altLang="zh-CN">
-              <a:ea typeface="宋体" charset="0"/>
-            </a:endParaRPr>
-          </a:p>
-        </p:txBody>
-      </p:sp>
-      <p:sp>
-        <p:nvSpPr>
-          <p:cNvPr id="4" name="内容占位符 3"/>
-          <p:cNvSpPr>
-            <a:spLocks noGrp="1"/>
-          </p:cNvSpPr>
-          <p:nvPr>
-            <p:ph sz="half" idx="2"/>
-          </p:nvPr>
-        </p:nvSpPr>
-        <p:spPr/>
-        <p:txBody>
-          <a:bodyPr/>
-          <a:lstStyle/>
-          <a:p>
-            <a:pPr lvl="0"/>
-            <a:r>
-              <a:rPr lang="en-US" altLang="zh-CN" sz="2400" dirty="0">
-                <a:ea typeface="宋体" charset="0"/>
-                <a:sym typeface="+mn-ea"/>
-              </a:rPr>
-              <a:t>Horizontal Access Control - </a:t>
-            </a:r>
-            <a:r>
-              <a:rPr lang="zh-CN" altLang="en-US" sz="2400" dirty="0">
-                <a:ea typeface="宋体" charset="0"/>
-                <a:sym typeface="+mn-ea"/>
-              </a:rPr>
-              <a:t>访问控制攻击</a:t>
-            </a:r>
-          </a:p>
-          <a:p>
-            <a:pPr lvl="1"/>
-            <a:r>
-              <a:rPr dirty="0">
-                <a:ea typeface="宋体" charset="0"/>
-                <a:sym typeface="+mn-ea"/>
-              </a:rPr>
-              <a:t>	</a:t>
-            </a:r>
-            <a:r>
-              <a:rPr lang="zh-CN" altLang="en-US" sz="1800" dirty="0">
-                <a:ea typeface="宋体" charset="0"/>
-                <a:sym typeface="+mn-ea"/>
-              </a:rPr>
-              <a:t>Web应用程序接收到用户请求，修改某条数据时，没有判断数据的所属人，或判断数据所属人时，从用户提交的request参数（用户可控数据）中，获取了数据所属人id，导致恶意攻击者可以通过变换数据ID，或变换所属人id，修改不属于自己的数据。</a:t>
-            </a:r>
-          </a:p>
-          <a:p>
-            <a:pPr lvl="1"/>
-            <a:r>
-              <a:rPr dirty="0">
-                <a:ea typeface="宋体" charset="0"/>
-                <a:sym typeface="+mn-ea"/>
-              </a:rPr>
-              <a:t>	</a:t>
-            </a:r>
-            <a:r>
-              <a:rPr lang="zh-CN" altLang="en-US" dirty="0">
-                <a:ea typeface="宋体" charset="0"/>
-                <a:sym typeface="+mn-ea"/>
-              </a:rPr>
-              <a:t>涉及用户相关信息</a:t>
-            </a:r>
-            <a:r>
-              <a:rPr lang="en-US" altLang="zh-CN" dirty="0">
-                <a:ea typeface="宋体" charset="0"/>
-                <a:sym typeface="+mn-ea"/>
-              </a:rPr>
-              <a:t>, </a:t>
-            </a:r>
-            <a:r>
-              <a:rPr lang="zh-CN" altLang="en-US" dirty="0">
-                <a:ea typeface="宋体" charset="0"/>
-                <a:sym typeface="+mn-ea"/>
-              </a:rPr>
-              <a:t>应从</a:t>
-            </a:r>
-            <a:r>
-              <a:rPr lang="en-US" altLang="zh-CN" dirty="0">
-                <a:ea typeface="宋体" charset="0"/>
-                <a:sym typeface="+mn-ea"/>
-              </a:rPr>
-              <a:t>session</a:t>
-            </a:r>
-            <a:r>
-              <a:rPr lang="zh-CN" altLang="en-US" dirty="0">
-                <a:ea typeface="宋体" charset="0"/>
-                <a:sym typeface="+mn-ea"/>
-              </a:rPr>
-              <a:t>或者</a:t>
-            </a:r>
-            <a:r>
-              <a:rPr lang="en-US" altLang="zh-CN" dirty="0">
-                <a:ea typeface="宋体" charset="0"/>
-                <a:sym typeface="+mn-ea"/>
-              </a:rPr>
-              <a:t>cookie(</a:t>
-            </a:r>
-            <a:r>
-              <a:rPr lang="zh-CN" altLang="en-US" dirty="0">
-                <a:ea typeface="宋体" charset="0"/>
-                <a:sym typeface="+mn-ea"/>
-              </a:rPr>
-              <a:t>需加密</a:t>
-            </a:r>
-            <a:r>
-              <a:rPr lang="en-US" altLang="zh-CN" dirty="0">
-                <a:ea typeface="宋体" charset="0"/>
-                <a:sym typeface="+mn-ea"/>
-              </a:rPr>
-              <a:t>)</a:t>
-            </a:r>
-            <a:r>
-              <a:rPr lang="zh-CN" altLang="en-US" dirty="0">
-                <a:ea typeface="宋体" charset="0"/>
-                <a:sym typeface="+mn-ea"/>
-              </a:rPr>
-              <a:t>等处中获取用户信息</a:t>
-            </a:r>
-            <a:r>
-              <a:rPr lang="en-US" altLang="zh-CN" dirty="0">
-                <a:ea typeface="宋体" charset="0"/>
-                <a:sym typeface="+mn-ea"/>
-              </a:rPr>
-              <a:t>, </a:t>
-            </a:r>
-            <a:r>
-              <a:rPr lang="zh-CN" altLang="en-US" dirty="0">
-                <a:ea typeface="宋体" charset="0"/>
-                <a:sym typeface="+mn-ea"/>
-              </a:rPr>
-              <a:t>而不是接受用户提交用户</a:t>
-            </a:r>
-            <a:r>
-              <a:rPr lang="en-US" altLang="zh-CN" dirty="0">
-                <a:ea typeface="宋体" charset="0"/>
-                <a:sym typeface="+mn-ea"/>
-              </a:rPr>
-              <a:t>id</a:t>
-            </a:r>
-            <a:r>
-              <a:rPr lang="zh-CN" altLang="en-US" dirty="0">
-                <a:ea typeface="宋体" charset="0"/>
-                <a:sym typeface="+mn-ea"/>
-              </a:rPr>
-              <a:t>等</a:t>
-            </a:r>
-            <a:r>
-              <a:rPr lang="en-US" altLang="zh-CN" dirty="0">
-                <a:ea typeface="宋体" charset="0"/>
-                <a:sym typeface="+mn-ea"/>
-              </a:rPr>
-              <a:t>.</a:t>
-            </a:r>
-            <a:endParaRPr lang="zh-CN" altLang="en-US" sz="1800" dirty="0">
-              <a:ea typeface="宋体" charset="0"/>
-              <a:sym typeface="+mn-ea"/>
-            </a:endParaRPr>
-          </a:p>
-          <a:p>
-            <a:pPr lvl="1"/>
-            <a:endParaRPr lang="zh-CN" altLang="en-US" sz="1800" dirty="0">
-              <a:ea typeface="宋体" charset="0"/>
-            </a:endParaRPr>
-          </a:p>
-          <a:p>
-            <a:pPr lvl="1"/>
-            <a:endParaRPr lang="zh-CN" altLang="en-US" dirty="0"/>
-          </a:p>
-        </p:txBody>
-      </p:sp>
-    </p:spTree>
-  </p:cSld>
-  <p:clrMapOvr>
-    <a:masterClrMapping/>
-  </p:clrMapOvr>
-  <p:timing>
-    <p:tnLst>
-      <p:par>
-        <p:cTn id="1" dur="indefinite" restart="never" nodeType="tmRoot">
-          <p:childTnLst>
-            <p:seq concurrent="1" nextAc="seek">
-              <p:cTn id="2" dur="indefinite" nodeType="mainSeq">
-                <p:childTnLst>
-                  <p:par>
-                    <p:cTn id="3" fill="hold">
-                      <p:stCondLst>
-                        <p:cond delay="indefinite"/>
-                      </p:stCondLst>
-                      <p:childTnLst>
-                        <p:par>
-                          <p:cTn id="4" fill="hold">
-                            <p:stCondLst>
-                              <p:cond delay="0"/>
-                            </p:stCondLst>
-                            <p:childTnLst>
-                              <p:par>
-                                <p:cTn id="5" presetID="3" presetClass="entr" presetSubtype="10" fill="hold" grpId="0" nodeType="clickEffect">
-                                  <p:stCondLst>
-                                    <p:cond delay="0"/>
-                                  </p:stCondLst>
-                                  <p:childTnLst>
-                                    <p:set>
-                                      <p:cBhvr>
-                                        <p:cTn id="6" dur="1" fill="hold">
-                                          <p:stCondLst>
-                                            <p:cond delay="0"/>
-                                          </p:stCondLst>
-                                        </p:cTn>
-                                        <p:tgtEl>
-                                          <p:spTgt spid="3">
-                                            <p:txEl>
-                                              <p:pRg st="0" end="0"/>
-                                            </p:txEl>
-                                          </p:spTgt>
-                                        </p:tgtEl>
-                                        <p:attrNameLst>
-                                          <p:attrName>style.visibility</p:attrName>
-                                        </p:attrNameLst>
-                                      </p:cBhvr>
-                                      <p:to>
-                                        <p:strVal val="visible"/>
-                                      </p:to>
-                                    </p:set>
-                                    <p:animEffect transition="in" filter="blinds(horizontal)">
-                                      <p:cBhvr>
-                                        <p:cTn id="7" dur="500"/>
-                                        <p:tgtEl>
-                                          <p:spTgt spid="3">
-                                            <p:txEl>
-                                              <p:pRg st="0" end="0"/>
-                                            </p:txEl>
-                                          </p:spTgt>
-                                        </p:tgtEl>
-                                      </p:cBhvr>
-                                    </p:animEffect>
-                                  </p:childTnLst>
-                                </p:cTn>
-                              </p:par>
-                              <p:par>
-                                <p:cTn id="8" presetID="3" presetClass="entr" presetSubtype="10" fill="hold" grpId="0" nodeType="withEffect">
-                                  <p:stCondLst>
-                                    <p:cond delay="0"/>
-                                  </p:stCondLst>
-                                  <p:childTnLst>
-                                    <p:set>
-                                      <p:cBhvr>
-                                        <p:cTn id="9" dur="1" fill="hold">
-                                          <p:stCondLst>
-                                            <p:cond delay="0"/>
-                                          </p:stCondLst>
-                                        </p:cTn>
-                                        <p:tgtEl>
-                                          <p:spTgt spid="3">
-                                            <p:txEl>
-                                              <p:pRg st="1" end="1"/>
-                                            </p:txEl>
-                                          </p:spTgt>
-                                        </p:tgtEl>
-                                        <p:attrNameLst>
-                                          <p:attrName>style.visibility</p:attrName>
-                                        </p:attrNameLst>
-                                      </p:cBhvr>
-                                      <p:to>
-                                        <p:strVal val="visible"/>
-                                      </p:to>
-                                    </p:set>
-                                    <p:animEffect transition="in" filter="blinds(horizontal)">
-                                      <p:cBhvr>
-                                        <p:cTn id="10" dur="500"/>
-                                        <p:tgtEl>
-                                          <p:spTgt spid="3">
-                                            <p:txEl>
-                                              <p:pRg st="1" end="1"/>
-                                            </p:txEl>
-                                          </p:spTgt>
-                                        </p:tgtEl>
-                                      </p:cBhvr>
-                                    </p:animEffect>
-                                  </p:childTnLst>
-                                </p:cTn>
-                              </p:par>
-                              <p:par>
-                                <p:cTn id="11" presetID="3" presetClass="entr" presetSubtype="10" fill="hold" grpId="0" nodeType="withEffect">
-                                  <p:stCondLst>
-                                    <p:cond delay="0"/>
-                                  </p:stCondLst>
-                                  <p:childTnLst>
-                                    <p:set>
-                                      <p:cBhvr>
-                                        <p:cTn id="12" dur="1" fill="hold">
-                                          <p:stCondLst>
-                                            <p:cond delay="0"/>
-                                          </p:stCondLst>
-                                        </p:cTn>
-                                        <p:tgtEl>
-                                          <p:spTgt spid="3">
-                                            <p:txEl>
-                                              <p:pRg st="2" end="2"/>
-                                            </p:txEl>
-                                          </p:spTgt>
-                                        </p:tgtEl>
-                                        <p:attrNameLst>
-                                          <p:attrName>style.visibility</p:attrName>
-                                        </p:attrNameLst>
-                                      </p:cBhvr>
-                                      <p:to>
-                                        <p:strVal val="visible"/>
-                                      </p:to>
-                                    </p:set>
-                                    <p:animEffect transition="in" filter="blinds(horizontal)">
-                                      <p:cBhvr>
-                                        <p:cTn id="13" dur="500"/>
-                                        <p:tgtEl>
-                                          <p:spTgt spid="3">
-                                            <p:txEl>
-                                              <p:pRg st="2" end="2"/>
-                                            </p:txEl>
-                                          </p:spTgt>
-                                        </p:tgtEl>
-                                      </p:cBhvr>
-                                    </p:animEffect>
-                                  </p:childTnLst>
-                                </p:cTn>
-                              </p:par>
-                            </p:childTnLst>
-                          </p:cTn>
-                        </p:par>
-                      </p:childTnLst>
-                    </p:cTn>
-                  </p:par>
-                  <p:par>
-                    <p:cTn id="14" fill="hold">
-                      <p:stCondLst>
-                        <p:cond delay="indefinite"/>
-                      </p:stCondLst>
-                      <p:childTnLst>
-                        <p:par>
-                          <p:cTn id="15" fill="hold">
-                            <p:stCondLst>
-                              <p:cond delay="0"/>
-                            </p:stCondLst>
-                            <p:childTnLst>
-                              <p:par>
-                                <p:cTn id="16" presetID="3" presetClass="entr" presetSubtype="10" fill="hold" grpId="0" nodeType="clickEffect">
-                                  <p:stCondLst>
-                                    <p:cond delay="0"/>
-                                  </p:stCondLst>
-                                  <p:childTnLst>
-                                    <p:set>
-                                      <p:cBhvr>
-                                        <p:cTn id="17" dur="1" fill="hold">
-                                          <p:stCondLst>
-                                            <p:cond delay="0"/>
-                                          </p:stCondLst>
-                                        </p:cTn>
-                                        <p:tgtEl>
-                                          <p:spTgt spid="4">
-                                            <p:txEl>
-                                              <p:pRg st="0" end="0"/>
-                                            </p:txEl>
-                                          </p:spTgt>
-                                        </p:tgtEl>
-                                        <p:attrNameLst>
-                                          <p:attrName>style.visibility</p:attrName>
-                                        </p:attrNameLst>
-                                      </p:cBhvr>
-                                      <p:to>
-                                        <p:strVal val="visible"/>
-                                      </p:to>
-                                    </p:set>
-                                    <p:animEffect transition="in" filter="blinds(horizontal)">
-                                      <p:cBhvr>
-                                        <p:cTn id="18" dur="500"/>
-                                        <p:tgtEl>
-                                          <p:spTgt spid="4">
-                                            <p:txEl>
-                                              <p:pRg st="0" end="0"/>
-                                            </p:txEl>
-                                          </p:spTgt>
-                                        </p:tgtEl>
-                                      </p:cBhvr>
-                                    </p:animEffect>
-                                  </p:childTnLst>
-                                </p:cTn>
-                              </p:par>
-                              <p:par>
-                                <p:cTn id="19" presetID="3" presetClass="entr" presetSubtype="10" fill="hold" grpId="0" nodeType="withEffect">
-                                  <p:stCondLst>
-                                    <p:cond delay="0"/>
-                                  </p:stCondLst>
-                                  <p:childTnLst>
-                                    <p:set>
-                                      <p:cBhvr>
-                                        <p:cTn id="20" dur="1" fill="hold">
-                                          <p:stCondLst>
-                                            <p:cond delay="0"/>
-                                          </p:stCondLst>
-                                        </p:cTn>
-                                        <p:tgtEl>
-                                          <p:spTgt spid="4">
-                                            <p:txEl>
-                                              <p:pRg st="1" end="1"/>
-                                            </p:txEl>
-                                          </p:spTgt>
-                                        </p:tgtEl>
-                                        <p:attrNameLst>
-                                          <p:attrName>style.visibility</p:attrName>
-                                        </p:attrNameLst>
-                                      </p:cBhvr>
-                                      <p:to>
-                                        <p:strVal val="visible"/>
-                                      </p:to>
-                                    </p:set>
-                                    <p:animEffect transition="in" filter="blinds(horizontal)">
-                                      <p:cBhvr>
-                                        <p:cTn id="21" dur="500"/>
-                                        <p:tgtEl>
-                                          <p:spTgt spid="4">
-                                            <p:txEl>
-                                              <p:pRg st="1" end="1"/>
-                                            </p:txEl>
-                                          </p:spTgt>
-                                        </p:tgtEl>
-                                      </p:cBhvr>
-                                    </p:animEffect>
-                                  </p:childTnLst>
-                                </p:cTn>
-                              </p:par>
-                              <p:par>
-                                <p:cTn id="22" presetID="3" presetClass="entr" presetSubtype="10" fill="hold" grpId="0" nodeType="withEffect">
-                                  <p:stCondLst>
-                                    <p:cond delay="0"/>
-                                  </p:stCondLst>
-                                  <p:childTnLst>
-                                    <p:set>
-                                      <p:cBhvr>
-                                        <p:cTn id="23" dur="1" fill="hold">
-                                          <p:stCondLst>
-                                            <p:cond delay="0"/>
-                                          </p:stCondLst>
-                                        </p:cTn>
-                                        <p:tgtEl>
-                                          <p:spTgt spid="4">
-                                            <p:txEl>
-                                              <p:pRg st="2" end="2"/>
-                                            </p:txEl>
-                                          </p:spTgt>
-                                        </p:tgtEl>
-                                        <p:attrNameLst>
-                                          <p:attrName>style.visibility</p:attrName>
-                                        </p:attrNameLst>
-                                      </p:cBhvr>
-                                      <p:to>
-                                        <p:strVal val="visible"/>
-                                      </p:to>
-                                    </p:set>
-                                    <p:animEffect transition="in" filter="blinds(horizontal)">
-                                      <p:cBhvr>
-                                        <p:cTn id="24" dur="500"/>
-                                        <p:tgtEl>
-                                          <p:spTgt spid="4">
-                                            <p:txEl>
-                                              <p:pRg st="2" end="2"/>
                                             </p:txEl>
                                           </p:spTgt>
                                         </p:tgtEl>

--- a/web攻击与安全.pptx
+++ b/web攻击与安全.pptx
@@ -212,7 +212,7 @@
           <a:p>
             <a:fld id="{D2A48B96-639E-45A3-A0BA-2464DFDB1FAA}" type="datetimeFigureOut">
               <a:rPr lang="zh-CN" altLang="en-US" smtClean="0"/>
-              <a:t>2016/10/28</a:t>
+              <a:t>2016/11/1</a:t>
             </a:fld>
             <a:endParaRPr lang="zh-CN" altLang="en-US"/>
           </a:p>
@@ -931,7 +931,7 @@
           <a:p>
             <a:fld id="{D997B5FA-0921-464F-AAE1-844C04324D75}" type="datetimeFigureOut">
               <a:rPr lang="zh-CN" altLang="en-US" smtClean="0"/>
-              <a:t>2016/10/28</a:t>
+              <a:t>2016/11/1</a:t>
             </a:fld>
             <a:endParaRPr lang="zh-CN" altLang="en-US"/>
           </a:p>
@@ -1318,7 +1318,7 @@
                 <a:ea typeface="微软雅黑" pitchFamily="34" charset="-122"/>
                 <a:cs typeface="+mn-cs"/>
               </a:rPr>
-              <a:t>2016/10/28</a:t>
+              <a:t>2016/11/1</a:t>
             </a:fld>
             <a:endParaRPr kumimoji="0" lang="zh-CN" altLang="en-US" sz="900" b="0" i="0" u="none" strike="noStrike" kern="1200" cap="none" spc="0" normalizeH="0" baseline="0" noProof="0">
               <a:ln>
@@ -1522,7 +1522,7 @@
                 <a:ea typeface="微软雅黑" pitchFamily="34" charset="-122"/>
                 <a:cs typeface="+mn-cs"/>
               </a:rPr>
-              <a:t>2016/10/28</a:t>
+              <a:t>2016/11/1</a:t>
             </a:fld>
             <a:endParaRPr kumimoji="0" lang="zh-CN" altLang="en-US" sz="900" b="0" i="0" u="none" strike="noStrike" kern="1200" cap="none" spc="0" normalizeH="0" baseline="0" noProof="0">
               <a:ln>
@@ -1906,7 +1906,7 @@
                 <a:ea typeface="微软雅黑" pitchFamily="34" charset="-122"/>
                 <a:cs typeface="+mn-cs"/>
               </a:rPr>
-              <a:t>2016/10/28</a:t>
+              <a:t>2016/11/1</a:t>
             </a:fld>
             <a:endParaRPr kumimoji="0" lang="zh-CN" altLang="en-US" sz="900" b="0" i="0" u="none" strike="noStrike" kern="1200" cap="none" spc="0" normalizeH="0" baseline="0" noProof="0">
               <a:ln>
@@ -2298,7 +2298,7 @@
                 <a:ea typeface="微软雅黑" pitchFamily="34" charset="-122"/>
                 <a:cs typeface="+mn-cs"/>
               </a:rPr>
-              <a:t>2016/10/28</a:t>
+              <a:t>2016/11/1</a:t>
             </a:fld>
             <a:endParaRPr kumimoji="0" lang="zh-CN" altLang="en-US" sz="900" b="0" i="0" u="none" strike="noStrike" kern="1200" cap="none" spc="0" normalizeH="0" baseline="0" noProof="0">
               <a:ln>
@@ -2575,7 +2575,7 @@
                 <a:ea typeface="微软雅黑" pitchFamily="34" charset="-122"/>
                 <a:cs typeface="+mn-cs"/>
               </a:rPr>
-              <a:t>2016/10/28</a:t>
+              <a:t>2016/11/1</a:t>
             </a:fld>
             <a:endParaRPr kumimoji="0" lang="zh-CN" altLang="en-US" sz="900" b="0" i="0" u="none" strike="noStrike" kern="1200" cap="none" spc="0" normalizeH="0" baseline="0" noProof="0">
               <a:ln>
@@ -2862,7 +2862,7 @@
                 <a:ea typeface="微软雅黑" pitchFamily="34" charset="-122"/>
                 <a:cs typeface="+mn-cs"/>
               </a:rPr>
-              <a:t>2016/10/28</a:t>
+              <a:t>2016/11/1</a:t>
             </a:fld>
             <a:endParaRPr kumimoji="0" lang="zh-CN" altLang="en-US" sz="900" b="0" i="0" u="none" strike="noStrike" kern="1200" cap="none" spc="0" normalizeH="0" baseline="0" noProof="0">
               <a:ln>
@@ -3131,7 +3131,7 @@
           <a:p>
             <a:fld id="{D997B5FA-0921-464F-AAE1-844C04324D75}" type="datetimeFigureOut">
               <a:rPr lang="zh-CN" altLang="en-US" smtClean="0"/>
-              <a:t>2016/10/28</a:t>
+              <a:t>2016/11/1</a:t>
             </a:fld>
             <a:endParaRPr lang="zh-CN" altLang="en-US"/>
           </a:p>
@@ -3454,7 +3454,7 @@
           <a:p>
             <a:fld id="{D997B5FA-0921-464F-AAE1-844C04324D75}" type="datetimeFigureOut">
               <a:rPr lang="zh-CN" altLang="en-US" smtClean="0"/>
-              <a:t>2016/10/28</a:t>
+              <a:t>2016/11/1</a:t>
             </a:fld>
             <a:endParaRPr lang="zh-CN" altLang="en-US"/>
           </a:p>
@@ -3747,7 +3747,7 @@
                 <a:ea typeface="微软雅黑" pitchFamily="34" charset="-122"/>
                 <a:cs typeface="+mn-cs"/>
               </a:rPr>
-              <a:t>2016/10/28</a:t>
+              <a:t>2016/11/1</a:t>
             </a:fld>
             <a:endParaRPr kumimoji="0" lang="zh-CN" altLang="en-US" sz="900" b="0" i="0" u="none" strike="noStrike" kern="1200" cap="none" spc="0" normalizeH="0" baseline="0" noProof="0">
               <a:ln>
@@ -4024,7 +4024,7 @@
                 <a:ea typeface="微软雅黑" pitchFamily="34" charset="-122"/>
                 <a:cs typeface="+mn-cs"/>
               </a:rPr>
-              <a:t>2016/10/28</a:t>
+              <a:t>2016/11/1</a:t>
             </a:fld>
             <a:endParaRPr kumimoji="0" lang="zh-CN" altLang="en-US" sz="900" b="0" i="0" u="none" strike="noStrike" kern="1200" cap="none" spc="0" normalizeH="0" baseline="0" noProof="0">
               <a:ln>
@@ -4378,7 +4378,7 @@
                 <a:ea typeface="微软雅黑" pitchFamily="34" charset="-122"/>
                 <a:cs typeface="+mn-cs"/>
               </a:rPr>
-              <a:t>2016/10/28</a:t>
+              <a:t>2016/11/1</a:t>
             </a:fld>
             <a:endParaRPr kumimoji="0" lang="zh-CN" altLang="en-US" sz="900" b="0" i="0" u="none" strike="noStrike" kern="1200" cap="none" spc="0" normalizeH="0" baseline="0" noProof="0">
               <a:ln>
@@ -4716,7 +4716,7 @@
                 <a:ea typeface="微软雅黑" pitchFamily="34" charset="-122"/>
                 <a:cs typeface="+mn-cs"/>
               </a:rPr>
-              <a:t>2016/10/28</a:t>
+              <a:t>2016/11/1</a:t>
             </a:fld>
             <a:endParaRPr kumimoji="0" lang="zh-CN" altLang="en-US" sz="900" b="0" i="0" u="none" strike="noStrike" kern="1200" cap="none" spc="0" normalizeH="0" baseline="0" noProof="0">
               <a:ln>
@@ -5189,7 +5189,7 @@
                 <a:ea typeface="微软雅黑" pitchFamily="34" charset="-122"/>
                 <a:cs typeface="+mn-cs"/>
               </a:rPr>
-              <a:t>2016/10/28</a:t>
+              <a:t>2016/11/1</a:t>
             </a:fld>
             <a:endParaRPr kumimoji="0" lang="zh-CN" altLang="en-US" sz="900" b="0" i="0" u="none" strike="noStrike" kern="1200" cap="none" spc="0" normalizeH="0" baseline="0" noProof="0">
               <a:ln>
@@ -5567,7 +5567,7 @@
           <a:p>
             <a:fld id="{D997B5FA-0921-464F-AAE1-844C04324D75}" type="datetimeFigureOut">
               <a:rPr lang="zh-CN" altLang="en-US" smtClean="0"/>
-              <a:t>2016/10/28</a:t>
+              <a:t>2016/11/1</a:t>
             </a:fld>
             <a:endParaRPr lang="zh-CN" altLang="en-US"/>
           </a:p>
@@ -6392,7 +6392,7 @@
                 <a:ea typeface="微软雅黑" pitchFamily="34" charset="-122"/>
                 <a:cs typeface="+mn-cs"/>
               </a:rPr>
-              <a:t>2016/10/28</a:t>
+              <a:t>2016/11/1</a:t>
             </a:fld>
             <a:endParaRPr kumimoji="0" lang="zh-CN" altLang="en-US" sz="900" b="0" i="0" u="none" strike="noStrike" kern="1200" cap="none" spc="0" normalizeH="0" baseline="0" noProof="0">
               <a:ln>
@@ -8315,7 +8315,7 @@
             </a:r>
             <a:r>
               <a:rPr lang="en-US" altLang="zh-CN" dirty="0"/>
-              <a:t>SHA1</a:t>
+              <a:t>SHA256</a:t>
             </a:r>
             <a:r>
               <a:rPr lang="zh-CN" altLang="en-US" dirty="0">
